--- a/Защита/Презентация.pptx
+++ b/Защита/Презентация.pptx
@@ -8750,8 +8750,8 @@
         </p:nvSpPr>
         <p:spPr>
           <a:xfrm>
-            <a:off x="6641113" y="3918759"/>
-            <a:ext cx="1869065" cy="757152"/>
+            <a:off x="5722570" y="3738780"/>
+            <a:ext cx="3494020" cy="757152"/>
           </a:xfrm>
           <a:prstGeom prst="ellipse">
             <a:avLst/>
@@ -8781,7 +8781,7 @@
           <a:p>
             <a:pPr algn="ctr"/>
             <a:r>
-              <a:rPr lang="ru-RU" sz="1200" dirty="0">
+              <a:rPr lang="ru-RU" sz="2400" dirty="0">
                 <a:latin typeface="+mj-lt"/>
               </a:rPr>
               <a:t>Лингвистические</a:t>
@@ -8803,8 +8803,8 @@
         </p:nvSpPr>
         <p:spPr>
           <a:xfrm>
-            <a:off x="644669" y="3918759"/>
-            <a:ext cx="1904567" cy="757152"/>
+            <a:off x="-161003" y="3720744"/>
+            <a:ext cx="3487773" cy="757152"/>
           </a:xfrm>
           <a:prstGeom prst="ellipse">
             <a:avLst/>
@@ -8834,7 +8834,7 @@
           <a:p>
             <a:pPr algn="ctr"/>
             <a:r>
-              <a:rPr lang="ru-RU" sz="1200" dirty="0">
+              <a:rPr lang="ru-RU" sz="2400" dirty="0">
                 <a:latin typeface="+mj-lt"/>
               </a:rPr>
               <a:t>Статистические</a:t>
@@ -8856,8 +8856,8 @@
         </p:nvSpPr>
         <p:spPr>
           <a:xfrm>
-            <a:off x="3800065" y="3918759"/>
-            <a:ext cx="1717097" cy="757152"/>
+            <a:off x="2918920" y="3727647"/>
+            <a:ext cx="3540070" cy="757152"/>
           </a:xfrm>
           <a:prstGeom prst="ellipse">
             <a:avLst/>
@@ -8887,7 +8887,7 @@
           <a:p>
             <a:pPr algn="ctr"/>
             <a:r>
-              <a:rPr lang="ru-RU" sz="1200" dirty="0">
+              <a:rPr lang="ru-RU" sz="2400" dirty="0">
                 <a:latin typeface="+mj-lt"/>
               </a:rPr>
               <a:t>Структурные </a:t>
@@ -8909,8 +8909,8 @@
         </p:nvSpPr>
         <p:spPr>
           <a:xfrm>
-            <a:off x="5213229" y="1637608"/>
-            <a:ext cx="1717097" cy="757152"/>
+            <a:off x="4409823" y="1418028"/>
+            <a:ext cx="3208203" cy="757152"/>
           </a:xfrm>
           <a:prstGeom prst="ellipse">
             <a:avLst/>
@@ -8940,7 +8940,7 @@
           <a:p>
             <a:pPr algn="ctr"/>
             <a:r>
-              <a:rPr lang="ru-RU" sz="1200" dirty="0">
+              <a:rPr lang="ru-RU" sz="2400" dirty="0">
                 <a:latin typeface="+mj-lt"/>
               </a:rPr>
               <a:t>Методы выделения ключевых слов</a:t>
@@ -8962,8 +8962,8 @@
         </p:nvSpPr>
         <p:spPr>
           <a:xfrm>
-            <a:off x="9482161" y="3918759"/>
-            <a:ext cx="1717097" cy="757152"/>
+            <a:off x="8854790" y="3755081"/>
+            <a:ext cx="2903803" cy="757152"/>
           </a:xfrm>
           <a:prstGeom prst="ellipse">
             <a:avLst/>
@@ -8993,12 +8993,12 @@
           <a:p>
             <a:pPr algn="ctr"/>
             <a:r>
-              <a:rPr lang="ru-RU" sz="1200" dirty="0" err="1">
+              <a:rPr lang="ru-RU" sz="2400" dirty="0" err="1">
                 <a:latin typeface="+mj-lt"/>
               </a:rPr>
               <a:t>Нейросетевые</a:t>
             </a:r>
-            <a:endParaRPr lang="ru-RU" sz="1200" dirty="0">
+            <a:endParaRPr lang="ru-RU" sz="2400" dirty="0">
               <a:latin typeface="+mj-lt"/>
             </a:endParaRPr>
           </a:p>
@@ -9020,8 +9020,8 @@
         </p:nvCxnSpPr>
         <p:spPr>
           <a:xfrm flipH="1">
-            <a:off x="1733751" y="2337473"/>
-            <a:ext cx="4304138" cy="1895412"/>
+            <a:off x="1604742" y="2337473"/>
+            <a:ext cx="4433147" cy="1665439"/>
           </a:xfrm>
           <a:prstGeom prst="straightConnector1">
             <a:avLst/>
@@ -9061,8 +9061,8 @@
         </p:nvCxnSpPr>
         <p:spPr>
           <a:xfrm flipH="1">
-            <a:off x="4687057" y="2332626"/>
-            <a:ext cx="1384720" cy="1900259"/>
+            <a:off x="4917649" y="2332626"/>
+            <a:ext cx="1154128" cy="1722040"/>
           </a:xfrm>
           <a:prstGeom prst="straightConnector1">
             <a:avLst/>
@@ -9103,7 +9103,7 @@
         <p:spPr>
           <a:xfrm>
             <a:off x="6096000" y="2337473"/>
-            <a:ext cx="1491703" cy="1895412"/>
+            <a:ext cx="1373580" cy="1576021"/>
           </a:xfrm>
           <a:prstGeom prst="straightConnector1">
             <a:avLst/>
@@ -9144,7 +9144,7 @@
         <p:spPr>
           <a:xfrm>
             <a:off x="6096000" y="2337473"/>
-            <a:ext cx="4339868" cy="1895412"/>
+            <a:ext cx="4225246" cy="1619730"/>
           </a:xfrm>
           <a:prstGeom prst="straightConnector1">
             <a:avLst/>
@@ -9267,7 +9267,7 @@
           <a:p>
             <a:pPr algn="ctr"/>
             <a:r>
-              <a:rPr lang="en-US" sz="1200" dirty="0">
+              <a:rPr lang="en-US" sz="2400" dirty="0">
                 <a:latin typeface="+mj-lt"/>
               </a:rPr>
               <a:t>TD-IDF</a:t>
@@ -9320,12 +9320,12 @@
           <a:p>
             <a:pPr algn="ctr"/>
             <a:r>
-              <a:rPr lang="en-US" sz="1200" dirty="0" err="1">
+              <a:rPr lang="en-US" sz="2400" dirty="0" err="1">
                 <a:latin typeface="+mj-lt"/>
               </a:rPr>
               <a:t>Yake</a:t>
             </a:r>
-            <a:endParaRPr lang="en-US" sz="1200" dirty="0">
+            <a:endParaRPr lang="en-US" sz="2400" dirty="0">
               <a:latin typeface="+mj-lt"/>
             </a:endParaRPr>
           </a:p>
@@ -9345,7 +9345,7 @@
         </p:nvSpPr>
         <p:spPr>
           <a:xfrm>
-            <a:off x="2703547" y="4758978"/>
+            <a:off x="2626681" y="4770343"/>
             <a:ext cx="1904567" cy="757152"/>
           </a:xfrm>
           <a:prstGeom prst="ellipse">
@@ -9376,7 +9376,7 @@
           <a:p>
             <a:pPr algn="ctr"/>
             <a:r>
-              <a:rPr lang="en-US" sz="1200" dirty="0">
+              <a:rPr lang="en-US" sz="2400" dirty="0">
                 <a:latin typeface="+mj-lt"/>
               </a:rPr>
               <a:t>Rake</a:t>
@@ -9429,7 +9429,7 @@
           <a:p>
             <a:pPr algn="ctr"/>
             <a:r>
-              <a:rPr lang="en-US" sz="1200" dirty="0">
+              <a:rPr lang="en-US" sz="2400" dirty="0">
                 <a:latin typeface="+mj-lt"/>
               </a:rPr>
               <a:t>KEA</a:t>
@@ -9451,8 +9451,8 @@
         </p:nvSpPr>
         <p:spPr>
           <a:xfrm>
-            <a:off x="10900133" y="4770343"/>
-            <a:ext cx="1123897" cy="757152"/>
+            <a:off x="10627939" y="4770343"/>
+            <a:ext cx="1396091" cy="757152"/>
           </a:xfrm>
           <a:prstGeom prst="ellipse">
             <a:avLst/>
@@ -9482,7 +9482,7 @@
           <a:p>
             <a:pPr algn="ctr"/>
             <a:r>
-              <a:rPr lang="en-US" sz="1200" dirty="0">
+              <a:rPr lang="en-US" sz="2400" dirty="0">
                 <a:latin typeface="+mj-lt"/>
               </a:rPr>
               <a:t>BERT</a:t>
@@ -9504,7 +9504,63 @@
         </p:nvSpPr>
         <p:spPr>
           <a:xfrm>
-            <a:off x="6665743" y="4758978"/>
+            <a:off x="6276749" y="4770343"/>
+            <a:ext cx="2743200" cy="757152"/>
+          </a:xfrm>
+          <a:prstGeom prst="ellipse">
+            <a:avLst/>
+          </a:prstGeom>
+          <a:noFill/>
+          <a:ln>
+            <a:noFill/>
+          </a:ln>
+        </p:spPr>
+        <p:style>
+          <a:lnRef idx="2">
+            <a:schemeClr val="dk1"/>
+          </a:lnRef>
+          <a:fillRef idx="1">
+            <a:schemeClr val="lt1"/>
+          </a:fillRef>
+          <a:effectRef idx="0">
+            <a:schemeClr val="dk1"/>
+          </a:effectRef>
+          <a:fontRef idx="minor">
+            <a:schemeClr val="dk1"/>
+          </a:fontRef>
+        </p:style>
+        <p:txBody>
+          <a:bodyPr rtlCol="0" anchor="ctr"/>
+          <a:lstStyle/>
+          <a:p>
+            <a:pPr algn="ctr"/>
+            <a:r>
+              <a:rPr lang="en-US" sz="2400" dirty="0" err="1">
+                <a:latin typeface="+mj-lt"/>
+              </a:rPr>
+              <a:t>LanAKey_Ru</a:t>
+            </a:r>
+            <a:endParaRPr lang="en-US" sz="2400" dirty="0">
+              <a:latin typeface="+mj-lt"/>
+            </a:endParaRPr>
+          </a:p>
+        </p:txBody>
+      </p:sp>
+      <p:sp>
+        <p:nvSpPr>
+          <p:cNvPr id="22" name="Овал 21">
+            <a:extLst>
+              <a:ext uri="{FF2B5EF4-FFF2-40B4-BE49-F238E27FC236}">
+                <a16:creationId xmlns:a16="http://schemas.microsoft.com/office/drawing/2014/main" id="{D8615B93-8FDC-A47C-D55C-95DE9251C45D}"/>
+              </a:ext>
+            </a:extLst>
+          </p:cNvPr>
+          <p:cNvSpPr/>
+          <p:nvPr/>
+        </p:nvSpPr>
+        <p:spPr>
+          <a:xfrm>
+            <a:off x="3700489" y="4916243"/>
             <a:ext cx="1904567" cy="757152"/>
           </a:xfrm>
           <a:prstGeom prst="ellipse">
@@ -9535,68 +9591,12 @@
           <a:p>
             <a:pPr algn="ctr"/>
             <a:r>
-              <a:rPr lang="en-US" sz="1200" dirty="0" err="1">
-                <a:latin typeface="+mj-lt"/>
-              </a:rPr>
-              <a:t>LanAKey_Ru</a:t>
-            </a:r>
-            <a:endParaRPr lang="en-US" sz="1200" dirty="0">
-              <a:latin typeface="+mj-lt"/>
-            </a:endParaRPr>
-          </a:p>
-        </p:txBody>
-      </p:sp>
-      <p:sp>
-        <p:nvSpPr>
-          <p:cNvPr id="22" name="Овал 21">
-            <a:extLst>
-              <a:ext uri="{FF2B5EF4-FFF2-40B4-BE49-F238E27FC236}">
-                <a16:creationId xmlns:a16="http://schemas.microsoft.com/office/drawing/2014/main" id="{D8615B93-8FDC-A47C-D55C-95DE9251C45D}"/>
-              </a:ext>
-            </a:extLst>
-          </p:cNvPr>
-          <p:cNvSpPr/>
-          <p:nvPr/>
-        </p:nvSpPr>
-        <p:spPr>
-          <a:xfrm>
-            <a:off x="3732361" y="4740710"/>
-            <a:ext cx="1904567" cy="757152"/>
-          </a:xfrm>
-          <a:prstGeom prst="ellipse">
-            <a:avLst/>
-          </a:prstGeom>
-          <a:noFill/>
-          <a:ln>
-            <a:noFill/>
-          </a:ln>
-        </p:spPr>
-        <p:style>
-          <a:lnRef idx="2">
-            <a:schemeClr val="dk1"/>
-          </a:lnRef>
-          <a:fillRef idx="1">
-            <a:schemeClr val="lt1"/>
-          </a:fillRef>
-          <a:effectRef idx="0">
-            <a:schemeClr val="dk1"/>
-          </a:effectRef>
-          <a:fontRef idx="minor">
-            <a:schemeClr val="dk1"/>
-          </a:fontRef>
-        </p:style>
-        <p:txBody>
-          <a:bodyPr rtlCol="0" anchor="ctr"/>
-          <a:lstStyle/>
-          <a:p>
-            <a:pPr algn="ctr"/>
-            <a:r>
-              <a:rPr lang="en-US" sz="1200" dirty="0" err="1">
+              <a:rPr lang="en-US" sz="2400" dirty="0" err="1">
                 <a:latin typeface="+mj-lt"/>
               </a:rPr>
               <a:t>PositionRank</a:t>
             </a:r>
-            <a:endParaRPr lang="en-US" sz="1200" dirty="0">
+            <a:endParaRPr lang="en-US" sz="2400" dirty="0">
               <a:latin typeface="+mj-lt"/>
             </a:endParaRPr>
           </a:p>
@@ -9666,8 +9666,8 @@
         </p:nvSpPr>
         <p:spPr>
           <a:xfrm>
-            <a:off x="4774296" y="4735863"/>
-            <a:ext cx="1904567" cy="757152"/>
+            <a:off x="4756681" y="4759486"/>
+            <a:ext cx="2228314" cy="757152"/>
           </a:xfrm>
           <a:prstGeom prst="ellipse">
             <a:avLst/>
@@ -9697,12 +9697,12 @@
           <a:p>
             <a:pPr algn="ctr"/>
             <a:r>
-              <a:rPr lang="en-US" sz="1200" dirty="0" err="1">
+              <a:rPr lang="en-US" sz="2400" dirty="0" err="1">
                 <a:latin typeface="+mj-lt"/>
               </a:rPr>
               <a:t>TextRank</a:t>
             </a:r>
-            <a:endParaRPr lang="en-US" sz="1200" dirty="0">
+            <a:endParaRPr lang="en-US" sz="2400" dirty="0">
               <a:latin typeface="+mj-lt"/>
             </a:endParaRPr>
           </a:p>
@@ -9970,8 +9970,8 @@
         </p:nvCxnSpPr>
         <p:spPr>
           <a:xfrm flipH="1">
-            <a:off x="9609168" y="4414249"/>
-            <a:ext cx="764125" cy="630090"/>
+            <a:off x="9599125" y="4414249"/>
+            <a:ext cx="774168" cy="588123"/>
           </a:xfrm>
           <a:prstGeom prst="straightConnector1">
             <a:avLst/>
